--- a/materials/slides/ch03-1.pptx
+++ b/materials/slides/ch03-1.pptx
@@ -20968,7 +20968,15 @@
             </a:r>
             <a:r>
               <a:rPr lang="zh-CN" altLang="en-US" sz="2400" dirty="0"/>
-              <a:t>给客户和必</a:t>
+              <a:t>给客户和</a:t>
+            </a:r>
+            <a:r>
+              <a:rPr lang="zh-CN" altLang="en-US" sz="2400" dirty="0">
+                <a:solidFill>
+                  <a:srgbClr val="FF0000"/>
+                </a:solidFill>
+              </a:rPr>
+              <a:t>必</a:t>
             </a:r>
             <a:r>
               <a:rPr lang="zh-CN" altLang="en-US" sz="2400" dirty="0">

--- a/materials/slides/ch03-1.pptx
+++ b/materials/slides/ch03-1.pptx
@@ -20844,7 +20844,7 @@
                   <a:srgbClr val="FF0000"/>
                 </a:solidFill>
               </a:rPr>
-              <a:t>UE</a:t>
+              <a:t>UI/UE</a:t>
             </a:r>
             <a:r>
               <a:rPr lang="zh-CN" altLang="en-US" sz="2400" dirty="0">
@@ -20976,15 +20976,7 @@
                   <a:srgbClr val="FF0000"/>
                 </a:solidFill>
               </a:rPr>
-              <a:t>必</a:t>
-            </a:r>
-            <a:r>
-              <a:rPr lang="zh-CN" altLang="en-US" sz="2400" dirty="0">
-                <a:solidFill>
-                  <a:srgbClr val="FF0000"/>
-                </a:solidFill>
-              </a:rPr>
-              <a:t>须完成的所有管理工作</a:t>
+              <a:t>必须完成的所有管理工作</a:t>
             </a:r>
             <a:r>
               <a:rPr lang="zh-CN" altLang="en-US" sz="2400" dirty="0"/>
@@ -23038,9 +23030,9 @@
             </a:r>
             <a:r>
               <a:rPr lang="zh-CN" altLang="en-US" sz="2400" dirty="0"/>
-              <a:t>中的工作包进行详细的定义，包括：描述、进度日期、成本预算和人员分配等信息；</a:t>
-            </a:r>
-            <a:endParaRPr lang="en-US" altLang="zh-CN" sz="2400" dirty="0"/>
+              <a:t>中的工作包进行详细的定义，包括：描述、进度日期、成本预算和人员分配等信息</a:t>
+            </a:r>
+            <a:endParaRPr lang="zh-CN" altLang="en-US" sz="2400" dirty="0"/>
           </a:p>
           <a:p>
             <a:pPr>
@@ -23049,8 +23041,8 @@
               </a:lnSpc>
             </a:pPr>
             <a:r>
-              <a:rPr lang="zh-CN" altLang="en-US" sz="2400" dirty="0"/>
-              <a:t>这里简单了解，在后面的实践练习中会有直观的展示；</a:t>
+              <a:rPr lang="en-US" altLang="zh-CN" sz="2400" dirty="0"/>
+              <a:t>工作分解结构词典是工作分解结构的支持性文件，对工作分解结构中的各要素作详细说明</a:t>
             </a:r>
             <a:endParaRPr lang="en-US" altLang="zh-CN" sz="2400" dirty="0"/>
           </a:p>
@@ -26770,7 +26762,7 @@
             </a:pPr>
             <a:r>
               <a:rPr lang="zh-CN" altLang="en-US" sz="2400" dirty="0"/>
-              <a:t>项目启动后，为何先做规划而不是直接开发？</a:t>
+              <a:t>项目启动后，是不是就可以直接开发？</a:t>
             </a:r>
             <a:endParaRPr lang="en-US" altLang="zh-CN" sz="2400" dirty="0"/>
           </a:p>
